--- a/Documentation/Energi Indsamler.pptx
+++ b/Documentation/Energi Indsamler.pptx
@@ -5,18 +5,21 @@
     <p:sldMasterId id="2147483648" r:id="rId4"/>
   </p:sldMasterIdLst>
   <p:notesMasterIdLst>
-    <p:notesMasterId r:id="rId11"/>
+    <p:notesMasterId r:id="rId14"/>
   </p:notesMasterIdLst>
   <p:handoutMasterIdLst>
-    <p:handoutMasterId r:id="rId12"/>
+    <p:handoutMasterId r:id="rId15"/>
   </p:handoutMasterIdLst>
   <p:sldIdLst>
     <p:sldId id="256" r:id="rId5"/>
     <p:sldId id="257" r:id="rId6"/>
     <p:sldId id="290" r:id="rId7"/>
-    <p:sldId id="295" r:id="rId8"/>
-    <p:sldId id="296" r:id="rId9"/>
-    <p:sldId id="294" r:id="rId10"/>
+    <p:sldId id="296" r:id="rId8"/>
+    <p:sldId id="295" r:id="rId9"/>
+    <p:sldId id="298" r:id="rId10"/>
+    <p:sldId id="299" r:id="rId11"/>
+    <p:sldId id="297" r:id="rId12"/>
+    <p:sldId id="294" r:id="rId13"/>
   </p:sldIdLst>
   <p:sldSz cx="12192000" cy="6858000"/>
   <p:notesSz cx="6858000" cy="9144000"/>
@@ -232,7 +235,7 @@
           <a:p>
             <a:fld id="{9D8190EA-5EEC-4300-B6AE-D9734C6C648E}" type="datetimeFigureOut">
               <a:rPr lang="en-US" smtClean="0"/>
-              <a:t>6/5/2024</a:t>
+              <a:t>6/6/2024</a:t>
             </a:fld>
             <a:endParaRPr lang="en-US" dirty="0"/>
           </a:p>
@@ -310,7 +313,7 @@
           <a:p>
             <a:fld id="{EAFF3A6F-DEFA-45E0-9496-BEE7C2C6F3D0}" type="slidenum">
               <a:rPr lang="en-US" smtClean="0"/>
-              <a:t>‹#›</a:t>
+              <a:t>‹nr.›</a:t>
             </a:fld>
             <a:endParaRPr lang="en-US" dirty="0"/>
           </a:p>
@@ -409,7 +412,7 @@
           <a:p>
             <a:fld id="{7487ADD9-2083-264C-A652-8D52D02F7E72}" type="datetimeFigureOut">
               <a:rPr lang="en-US" smtClean="0"/>
-              <a:t>6/5/2024</a:t>
+              <a:t>6/6/2024</a:t>
             </a:fld>
             <a:endParaRPr lang="en-US" dirty="0"/>
           </a:p>
@@ -567,7 +570,7 @@
           <a:p>
             <a:fld id="{F97DC217-DF71-1A49-B3EA-559F1F43B0FF}" type="slidenum">
               <a:rPr lang="en-US" smtClean="0"/>
-              <a:t>‹#›</a:t>
+              <a:t>‹nr.›</a:t>
             </a:fld>
             <a:endParaRPr lang="en-US" dirty="0"/>
           </a:p>
@@ -1002,7 +1005,7 @@
     </p:spTree>
     <p:extLst>
       <p:ext uri="{BB962C8B-B14F-4D97-AF65-F5344CB8AC3E}">
-        <p14:creationId xmlns:p14="http://schemas.microsoft.com/office/powerpoint/2010/main" val="2826484309"/>
+        <p14:creationId xmlns:p14="http://schemas.microsoft.com/office/powerpoint/2010/main" val="3261063159"/>
       </p:ext>
     </p:extLst>
   </p:cSld>
@@ -1086,7 +1089,7 @@
     </p:spTree>
     <p:extLst>
       <p:ext uri="{BB962C8B-B14F-4D97-AF65-F5344CB8AC3E}">
-        <p14:creationId xmlns:p14="http://schemas.microsoft.com/office/powerpoint/2010/main" val="3261063159"/>
+        <p14:creationId xmlns:p14="http://schemas.microsoft.com/office/powerpoint/2010/main" val="2826484309"/>
       </p:ext>
     </p:extLst>
   </p:cSld>
@@ -1161,7 +1164,7 @@
           <a:p>
             <a:fld id="{F97DC217-DF71-1A49-B3EA-559F1F43B0FF}" type="slidenum">
               <a:rPr lang="en-US" smtClean="0"/>
-              <a:t>6</a:t>
+              <a:t>9</a:t>
             </a:fld>
             <a:endParaRPr lang="en-US" dirty="0"/>
           </a:p>
@@ -2996,7 +2999,7 @@
             <a:fld id="{294A09A9-5501-47C1-A89A-A340965A2BE2}" type="slidenum">
               <a:rPr lang="en-US" smtClean="0"/>
               <a:pPr/>
-              <a:t>‹#›</a:t>
+              <a:t>‹nr.›</a:t>
             </a:fld>
             <a:endParaRPr lang="en-US" dirty="0"/>
           </a:p>
@@ -3722,7 +3725,7 @@
             <a:fld id="{294A09A9-5501-47C1-A89A-A340965A2BE2}" type="slidenum">
               <a:rPr lang="en-US" smtClean="0"/>
               <a:pPr/>
-              <a:t>‹#›</a:t>
+              <a:t>‹nr.›</a:t>
             </a:fld>
             <a:endParaRPr lang="en-US" dirty="0"/>
           </a:p>
@@ -5509,7 +5512,7 @@
             <a:fld id="{294A09A9-5501-47C1-A89A-A340965A2BE2}" type="slidenum">
               <a:rPr lang="en-US" smtClean="0"/>
               <a:pPr/>
-              <a:t>‹#›</a:t>
+              <a:t>‹nr.›</a:t>
             </a:fld>
             <a:endParaRPr lang="en-US" dirty="0"/>
           </a:p>
@@ -6213,7 +6216,7 @@
             <a:fld id="{294A09A9-5501-47C1-A89A-A340965A2BE2}" type="slidenum">
               <a:rPr lang="en-US" smtClean="0"/>
               <a:pPr/>
-              <a:t>‹#›</a:t>
+              <a:t>‹nr.›</a:t>
             </a:fld>
             <a:endParaRPr lang="en-US" dirty="0"/>
           </a:p>
@@ -7029,7 +7032,7 @@
             <a:fld id="{294A09A9-5501-47C1-A89A-A340965A2BE2}" type="slidenum">
               <a:rPr lang="en-US" smtClean="0"/>
               <a:pPr/>
-              <a:t>‹#›</a:t>
+              <a:t>‹nr.›</a:t>
             </a:fld>
             <a:endParaRPr lang="en-US" dirty="0"/>
           </a:p>
@@ -7747,7 +7750,7 @@
             <a:fld id="{294A09A9-5501-47C1-A89A-A340965A2BE2}" type="slidenum">
               <a:rPr lang="en-US" smtClean="0"/>
               <a:pPr/>
-              <a:t>‹#›</a:t>
+              <a:t>‹nr.›</a:t>
             </a:fld>
             <a:endParaRPr lang="en-US" dirty="0"/>
           </a:p>
@@ -8765,7 +8768,7 @@
             <a:fld id="{294A09A9-5501-47C1-A89A-A340965A2BE2}" type="slidenum">
               <a:rPr lang="en-US" smtClean="0"/>
               <a:pPr/>
-              <a:t>‹#›</a:t>
+              <a:t>‹nr.›</a:t>
             </a:fld>
             <a:endParaRPr lang="en-US" dirty="0"/>
           </a:p>
@@ -9217,6 +9220,41 @@
           </a:p>
         </p:txBody>
       </p:sp>
+      <p:sp>
+        <p:nvSpPr>
+          <p:cNvPr id="3" name="Tekstfelt 2">
+            <a:extLst>
+              <a:ext uri="{FF2B5EF4-FFF2-40B4-BE49-F238E27FC236}">
+                <a16:creationId xmlns:a16="http://schemas.microsoft.com/office/drawing/2014/main" id="{7449CB22-C43E-4AB1-A5AC-45E0AE021561}"/>
+              </a:ext>
+            </a:extLst>
+          </p:cNvPr>
+          <p:cNvSpPr txBox="1"/>
+          <p:nvPr/>
+        </p:nvSpPr>
+        <p:spPr>
+          <a:xfrm>
+            <a:off x="9199980" y="5719663"/>
+            <a:ext cx="1825690" cy="369332"/>
+          </a:xfrm>
+          <a:prstGeom prst="rect">
+            <a:avLst/>
+          </a:prstGeom>
+          <a:noFill/>
+        </p:spPr>
+        <p:txBody>
+          <a:bodyPr wrap="square" rtlCol="0">
+            <a:spAutoFit/>
+          </a:bodyPr>
+          <a:lstStyle/>
+          <a:p>
+            <a:r>
+              <a:rPr lang="da-DK" dirty="0"/>
+              <a:t>Jonas Østergaard</a:t>
+            </a:r>
+          </a:p>
+        </p:txBody>
+      </p:sp>
     </p:spTree>
     <p:extLst>
       <p:ext uri="{BB962C8B-B14F-4D97-AF65-F5344CB8AC3E}">
@@ -9434,49 +9472,49 @@
           <a:lstStyle/>
           <a:p>
             <a:r>
-              <a:rPr lang="en-US" dirty="0"/>
+              <a:rPr lang="en-US" sz="2800" dirty="0"/>
               <a:t>Esp32</a:t>
             </a:r>
           </a:p>
           <a:p>
             <a:r>
-              <a:rPr lang="en-US" dirty="0"/>
-              <a:t>Sd-</a:t>
-            </a:r>
-            <a:r>
-              <a:rPr lang="en-US" dirty="0" err="1"/>
+              <a:rPr lang="en-US" sz="2800" dirty="0"/>
+              <a:t>SD-</a:t>
+            </a:r>
+            <a:r>
+              <a:rPr lang="en-US" sz="2800" dirty="0" err="1"/>
               <a:t>Kortlæser</a:t>
             </a:r>
-            <a:endParaRPr lang="en-US" dirty="0"/>
-          </a:p>
-          <a:p>
-            <a:r>
-              <a:rPr lang="en-US" dirty="0"/>
+            <a:endParaRPr lang="en-US" sz="2800" dirty="0"/>
+          </a:p>
+          <a:p>
+            <a:r>
+              <a:rPr lang="en-US" sz="2800" dirty="0"/>
               <a:t>Access Point</a:t>
             </a:r>
           </a:p>
           <a:p>
             <a:r>
-              <a:rPr lang="en-US" dirty="0" err="1"/>
+              <a:rPr lang="en-US" sz="2800" dirty="0" err="1"/>
               <a:t>WebServer</a:t>
             </a:r>
-            <a:endParaRPr lang="en-US" dirty="0"/>
-          </a:p>
-          <a:p>
-            <a:r>
-              <a:rPr lang="en-US" dirty="0"/>
+            <a:endParaRPr lang="en-US" sz="2800" dirty="0"/>
+          </a:p>
+          <a:p>
+            <a:r>
+              <a:rPr lang="en-US" sz="2800" dirty="0"/>
               <a:t>WebSocket</a:t>
             </a:r>
           </a:p>
           <a:p>
             <a:r>
-              <a:rPr lang="en-US" dirty="0" err="1"/>
-              <a:t>RTos</a:t>
-            </a:r>
-            <a:endParaRPr lang="en-US" dirty="0"/>
-          </a:p>
-          <a:p>
-            <a:endParaRPr lang="en-US" dirty="0"/>
+              <a:rPr lang="en-US" sz="2800" dirty="0" err="1"/>
+              <a:t>FreeRTOS</a:t>
+            </a:r>
+            <a:endParaRPr lang="en-US" sz="2800" dirty="0"/>
+          </a:p>
+          <a:p>
+            <a:endParaRPr lang="en-US" sz="2800" dirty="0"/>
           </a:p>
         </p:txBody>
       </p:sp>
@@ -9543,171 +9581,6 @@
       </p:grpSpPr>
       <p:sp>
         <p:nvSpPr>
-          <p:cNvPr id="2" name="Title 1">
-            <a:extLst>
-              <a:ext uri="{FF2B5EF4-FFF2-40B4-BE49-F238E27FC236}">
-                <a16:creationId xmlns:a16="http://schemas.microsoft.com/office/drawing/2014/main" id="{912DF434-28DB-4621-A497-D62C41CE0419}"/>
-              </a:ext>
-            </a:extLst>
-          </p:cNvPr>
-          <p:cNvSpPr>
-            <a:spLocks noGrp="1"/>
-          </p:cNvSpPr>
-          <p:nvPr>
-            <p:ph type="title"/>
-          </p:nvPr>
-        </p:nvSpPr>
-        <p:spPr/>
-        <p:txBody>
-          <a:bodyPr/>
-          <a:lstStyle/>
-          <a:p>
-            <a:r>
-              <a:rPr lang="en-US" dirty="0" err="1"/>
-              <a:t>Webinterface</a:t>
-            </a:r>
-            <a:endParaRPr lang="en-US" dirty="0"/>
-          </a:p>
-        </p:txBody>
-      </p:sp>
-      <p:sp>
-        <p:nvSpPr>
-          <p:cNvPr id="3" name="Content Placeholder 2">
-            <a:extLst>
-              <a:ext uri="{FF2B5EF4-FFF2-40B4-BE49-F238E27FC236}">
-                <a16:creationId xmlns:a16="http://schemas.microsoft.com/office/drawing/2014/main" id="{22788C46-D0BC-4307-AE55-7601A139E7CB}"/>
-              </a:ext>
-            </a:extLst>
-          </p:cNvPr>
-          <p:cNvSpPr>
-            <a:spLocks noGrp="1"/>
-          </p:cNvSpPr>
-          <p:nvPr>
-            <p:ph idx="1"/>
-          </p:nvPr>
-        </p:nvSpPr>
-        <p:spPr/>
-        <p:txBody>
-          <a:bodyPr vert="horz" lIns="91440" tIns="45720" rIns="91440" bIns="45720" rtlCol="0" anchor="t">
-            <a:normAutofit/>
-          </a:bodyPr>
-          <a:lstStyle/>
-          <a:p>
-            <a:r>
-              <a:rPr lang="en-US" dirty="0" err="1"/>
-              <a:t>Simpelt</a:t>
-            </a:r>
-            <a:r>
-              <a:rPr lang="en-US" dirty="0"/>
-              <a:t> </a:t>
-            </a:r>
-            <a:r>
-              <a:rPr lang="en-US" dirty="0" err="1"/>
-              <a:t>Webinterface</a:t>
-            </a:r>
-            <a:endParaRPr lang="en-US" dirty="0"/>
-          </a:p>
-          <a:p>
-            <a:r>
-              <a:rPr lang="en-US" dirty="0" err="1"/>
-              <a:t>Funktioner</a:t>
-            </a:r>
-            <a:r>
-              <a:rPr lang="en-US" dirty="0"/>
-              <a:t> </a:t>
-            </a:r>
-            <a:r>
-              <a:rPr lang="en-US" dirty="0" err="1"/>
-              <a:t>og</a:t>
-            </a:r>
-            <a:r>
-              <a:rPr lang="en-US" dirty="0"/>
-              <a:t> </a:t>
-            </a:r>
-            <a:r>
-              <a:rPr lang="en-US" dirty="0" err="1"/>
-              <a:t>Foremål</a:t>
-            </a:r>
-            <a:endParaRPr lang="en-US" dirty="0"/>
-          </a:p>
-          <a:p>
-            <a:pPr marL="457200" indent="-457200">
-              <a:buFont typeface="Arial" panose="020B0604020202020204" pitchFamily="34" charset="0"/>
-              <a:buChar char="•"/>
-            </a:pPr>
-            <a:r>
-              <a:rPr lang="en-US" dirty="0" err="1"/>
-              <a:t>Knapper</a:t>
-            </a:r>
-            <a:endParaRPr lang="en-US" dirty="0"/>
-          </a:p>
-          <a:p>
-            <a:pPr marL="457200" indent="-457200">
-              <a:buFont typeface="Arial" panose="020B0604020202020204" pitchFamily="34" charset="0"/>
-              <a:buChar char="•"/>
-            </a:pPr>
-            <a:r>
-              <a:rPr lang="en-US" dirty="0" err="1"/>
-              <a:t>Websocket</a:t>
-            </a:r>
-            <a:endParaRPr lang="en-US" dirty="0"/>
-          </a:p>
-          <a:p>
-            <a:pPr marL="457200" indent="-457200">
-              <a:buFont typeface="Arial" panose="020B0604020202020204" pitchFamily="34" charset="0"/>
-              <a:buChar char="•"/>
-            </a:pPr>
-            <a:r>
-              <a:rPr lang="en-US" dirty="0" err="1"/>
-              <a:t>Behandling</a:t>
-            </a:r>
-            <a:r>
-              <a:rPr lang="en-US" dirty="0"/>
-              <a:t> </a:t>
-            </a:r>
-            <a:r>
-              <a:rPr lang="en-US" dirty="0" err="1"/>
-              <a:t>af</a:t>
-            </a:r>
-            <a:r>
-              <a:rPr lang="en-US" dirty="0"/>
-              <a:t> data</a:t>
-            </a:r>
-          </a:p>
-        </p:txBody>
-      </p:sp>
-    </p:spTree>
-    <p:extLst>
-      <p:ext uri="{BB962C8B-B14F-4D97-AF65-F5344CB8AC3E}">
-        <p14:creationId xmlns:p14="http://schemas.microsoft.com/office/powerpoint/2010/main" val="1000279904"/>
-      </p:ext>
-    </p:extLst>
-  </p:cSld>
-  <p:clrMapOvr>
-    <a:masterClrMapping/>
-  </p:clrMapOvr>
-</p:sld>
-</file>
-
-<file path=ppt/slides/slide5.xml><?xml version="1.0" encoding="utf-8"?>
-<p:sld xmlns:a="http://schemas.openxmlformats.org/drawingml/2006/main" xmlns:r="http://schemas.openxmlformats.org/officeDocument/2006/relationships" xmlns:p="http://schemas.openxmlformats.org/presentationml/2006/main">
-  <p:cSld>
-    <p:spTree>
-      <p:nvGrpSpPr>
-        <p:cNvPr id="1" name=""/>
-        <p:cNvGrpSpPr/>
-        <p:nvPr/>
-      </p:nvGrpSpPr>
-      <p:grpSpPr>
-        <a:xfrm>
-          <a:off x="0" y="0"/>
-          <a:ext cx="0" cy="0"/>
-          <a:chOff x="0" y="0"/>
-          <a:chExt cx="0" cy="0"/>
-        </a:xfrm>
-      </p:grpSpPr>
-      <p:sp>
-        <p:nvSpPr>
           <p:cNvPr id="6" name="Title 5">
             <a:extLst>
               <a:ext uri="{FF2B5EF4-FFF2-40B4-BE49-F238E27FC236}">
@@ -9769,10 +9642,18 @@
               <a:buChar char="•"/>
             </a:pPr>
             <a:r>
-              <a:rPr lang="en-US" dirty="0" err="1"/>
+              <a:rPr lang="en-US" sz="2800" dirty="0" err="1"/>
               <a:t>Simulering</a:t>
             </a:r>
-            <a:endParaRPr lang="en-US" dirty="0"/>
+            <a:r>
+              <a:rPr lang="en-US" sz="2800" dirty="0"/>
+              <a:t> med </a:t>
+            </a:r>
+            <a:r>
+              <a:rPr lang="en-US" sz="2800" dirty="0" err="1"/>
+              <a:t>FreeRTOS</a:t>
+            </a:r>
+            <a:endParaRPr lang="en-US" sz="2800" dirty="0"/>
           </a:p>
           <a:p>
             <a:pPr marL="342900" indent="-342900">
@@ -9780,27 +9661,27 @@
               <a:buChar char="•"/>
             </a:pPr>
             <a:r>
-              <a:rPr lang="en-US" dirty="0" err="1"/>
+              <a:rPr lang="en-US" sz="2800" dirty="0" err="1"/>
               <a:t>Hvordan</a:t>
             </a:r>
             <a:r>
-              <a:rPr lang="en-US" dirty="0"/>
+              <a:rPr lang="en-US" sz="2800" dirty="0"/>
               <a:t> </a:t>
             </a:r>
             <a:r>
-              <a:rPr lang="en-US" dirty="0" err="1"/>
+              <a:rPr lang="en-US" sz="2800" dirty="0" err="1"/>
               <a:t>kunne</a:t>
             </a:r>
             <a:r>
-              <a:rPr lang="en-US" dirty="0"/>
+              <a:rPr lang="en-US" sz="2800" dirty="0"/>
               <a:t> man </a:t>
             </a:r>
             <a:r>
-              <a:rPr lang="en-US" dirty="0" err="1"/>
+              <a:rPr lang="en-US" sz="2800" dirty="0" err="1"/>
               <a:t>opsamle</a:t>
             </a:r>
             <a:r>
-              <a:rPr lang="en-US" dirty="0"/>
+              <a:rPr lang="en-US" sz="2800" dirty="0"/>
               <a:t> data</a:t>
             </a:r>
           </a:p>
@@ -9810,34 +9691,34 @@
               <a:buChar char="•"/>
             </a:pPr>
             <a:r>
-              <a:rPr lang="en-US" dirty="0" err="1"/>
+              <a:rPr lang="en-US" sz="2800" dirty="0" err="1"/>
               <a:t>Hvad</a:t>
             </a:r>
             <a:r>
-              <a:rPr lang="en-US" dirty="0"/>
+              <a:rPr lang="en-US" sz="2800" dirty="0"/>
               <a:t> </a:t>
             </a:r>
             <a:r>
-              <a:rPr lang="en-US" dirty="0" err="1"/>
+              <a:rPr lang="en-US" sz="2800" dirty="0" err="1"/>
               <a:t>skal</a:t>
             </a:r>
             <a:r>
-              <a:rPr lang="en-US" dirty="0"/>
+              <a:rPr lang="en-US" sz="2800" dirty="0"/>
               <a:t> der </a:t>
             </a:r>
             <a:r>
-              <a:rPr lang="en-US" dirty="0" err="1"/>
+              <a:rPr lang="en-US" sz="2800" dirty="0" err="1"/>
               <a:t>så</a:t>
             </a:r>
             <a:r>
-              <a:rPr lang="en-US" dirty="0"/>
+              <a:rPr lang="en-US" sz="2800" dirty="0"/>
               <a:t> </a:t>
             </a:r>
             <a:r>
-              <a:rPr lang="en-US" dirty="0" err="1"/>
+              <a:rPr lang="en-US" sz="2800" dirty="0" err="1"/>
               <a:t>ændres</a:t>
             </a:r>
-            <a:endParaRPr lang="en-US" dirty="0"/>
+            <a:endParaRPr lang="en-US" sz="2800" dirty="0"/>
           </a:p>
         </p:txBody>
       </p:sp>
@@ -9854,7 +9735,541 @@
 </p:sld>
 </file>
 
+<file path=ppt/slides/slide5.xml><?xml version="1.0" encoding="utf-8"?>
+<p:sld xmlns:a="http://schemas.openxmlformats.org/drawingml/2006/main" xmlns:r="http://schemas.openxmlformats.org/officeDocument/2006/relationships" xmlns:p="http://schemas.openxmlformats.org/presentationml/2006/main">
+  <p:cSld>
+    <p:spTree>
+      <p:nvGrpSpPr>
+        <p:cNvPr id="1" name=""/>
+        <p:cNvGrpSpPr/>
+        <p:nvPr/>
+      </p:nvGrpSpPr>
+      <p:grpSpPr>
+        <a:xfrm>
+          <a:off x="0" y="0"/>
+          <a:ext cx="0" cy="0"/>
+          <a:chOff x="0" y="0"/>
+          <a:chExt cx="0" cy="0"/>
+        </a:xfrm>
+      </p:grpSpPr>
+      <p:sp>
+        <p:nvSpPr>
+          <p:cNvPr id="2" name="Title 1">
+            <a:extLst>
+              <a:ext uri="{FF2B5EF4-FFF2-40B4-BE49-F238E27FC236}">
+                <a16:creationId xmlns:a16="http://schemas.microsoft.com/office/drawing/2014/main" id="{912DF434-28DB-4621-A497-D62C41CE0419}"/>
+              </a:ext>
+            </a:extLst>
+          </p:cNvPr>
+          <p:cNvSpPr>
+            <a:spLocks noGrp="1"/>
+          </p:cNvSpPr>
+          <p:nvPr>
+            <p:ph type="title"/>
+          </p:nvPr>
+        </p:nvSpPr>
+        <p:spPr/>
+        <p:txBody>
+          <a:bodyPr/>
+          <a:lstStyle/>
+          <a:p>
+            <a:r>
+              <a:rPr lang="en-US" dirty="0" err="1"/>
+              <a:t>Hjemmesider</a:t>
+            </a:r>
+            <a:endParaRPr lang="en-US" dirty="0"/>
+          </a:p>
+        </p:txBody>
+      </p:sp>
+      <p:sp>
+        <p:nvSpPr>
+          <p:cNvPr id="3" name="Content Placeholder 2">
+            <a:extLst>
+              <a:ext uri="{FF2B5EF4-FFF2-40B4-BE49-F238E27FC236}">
+                <a16:creationId xmlns:a16="http://schemas.microsoft.com/office/drawing/2014/main" id="{22788C46-D0BC-4307-AE55-7601A139E7CB}"/>
+              </a:ext>
+            </a:extLst>
+          </p:cNvPr>
+          <p:cNvSpPr>
+            <a:spLocks noGrp="1"/>
+          </p:cNvSpPr>
+          <p:nvPr>
+            <p:ph idx="1"/>
+          </p:nvPr>
+        </p:nvSpPr>
+        <p:spPr/>
+        <p:txBody>
+          <a:bodyPr vert="horz" lIns="91440" tIns="45720" rIns="91440" bIns="45720" rtlCol="0" anchor="t">
+            <a:normAutofit/>
+          </a:bodyPr>
+          <a:lstStyle/>
+          <a:p>
+            <a:r>
+              <a:rPr lang="en-US" dirty="0" err="1"/>
+              <a:t>Simpel</a:t>
+            </a:r>
+            <a:r>
+              <a:rPr lang="en-US" dirty="0"/>
+              <a:t> </a:t>
+            </a:r>
+            <a:r>
+              <a:rPr lang="en-US" dirty="0" err="1"/>
+              <a:t>Hjemmeside</a:t>
+            </a:r>
+            <a:endParaRPr lang="en-US" dirty="0"/>
+          </a:p>
+          <a:p>
+            <a:r>
+              <a:rPr lang="en-US" dirty="0" err="1"/>
+              <a:t>Funktioner</a:t>
+            </a:r>
+            <a:r>
+              <a:rPr lang="en-US" dirty="0"/>
+              <a:t> </a:t>
+            </a:r>
+            <a:r>
+              <a:rPr lang="en-US" dirty="0" err="1"/>
+              <a:t>og</a:t>
+            </a:r>
+            <a:r>
+              <a:rPr lang="en-US" dirty="0"/>
+              <a:t> </a:t>
+            </a:r>
+            <a:r>
+              <a:rPr lang="en-US" dirty="0" err="1"/>
+              <a:t>Foremål</a:t>
+            </a:r>
+            <a:endParaRPr lang="en-US" dirty="0"/>
+          </a:p>
+          <a:p>
+            <a:pPr marL="457200" indent="-457200">
+              <a:buFont typeface="Arial" panose="020B0604020202020204" pitchFamily="34" charset="0"/>
+              <a:buChar char="•"/>
+            </a:pPr>
+            <a:r>
+              <a:rPr lang="en-US" dirty="0" err="1"/>
+              <a:t>Knapper</a:t>
+            </a:r>
+            <a:endParaRPr lang="en-US" dirty="0"/>
+          </a:p>
+          <a:p>
+            <a:pPr marL="457200" indent="-457200">
+              <a:buFont typeface="Arial" panose="020B0604020202020204" pitchFamily="34" charset="0"/>
+              <a:buChar char="•"/>
+            </a:pPr>
+            <a:r>
+              <a:rPr lang="en-US" dirty="0" err="1"/>
+              <a:t>Websocket</a:t>
+            </a:r>
+            <a:endParaRPr lang="en-US" dirty="0"/>
+          </a:p>
+          <a:p>
+            <a:pPr marL="457200" indent="-457200">
+              <a:buFont typeface="Arial" panose="020B0604020202020204" pitchFamily="34" charset="0"/>
+              <a:buChar char="•"/>
+            </a:pPr>
+            <a:r>
+              <a:rPr lang="en-US" dirty="0" err="1"/>
+              <a:t>Behandling</a:t>
+            </a:r>
+            <a:r>
+              <a:rPr lang="en-US" dirty="0"/>
+              <a:t> </a:t>
+            </a:r>
+            <a:r>
+              <a:rPr lang="en-US" dirty="0" err="1"/>
+              <a:t>af</a:t>
+            </a:r>
+            <a:r>
+              <a:rPr lang="en-US" dirty="0"/>
+              <a:t> data</a:t>
+            </a:r>
+          </a:p>
+        </p:txBody>
+      </p:sp>
+    </p:spTree>
+    <p:extLst>
+      <p:ext uri="{BB962C8B-B14F-4D97-AF65-F5344CB8AC3E}">
+        <p14:creationId xmlns:p14="http://schemas.microsoft.com/office/powerpoint/2010/main" val="1000279904"/>
+      </p:ext>
+    </p:extLst>
+  </p:cSld>
+  <p:clrMapOvr>
+    <a:masterClrMapping/>
+  </p:clrMapOvr>
+</p:sld>
+</file>
+
 <file path=ppt/slides/slide6.xml><?xml version="1.0" encoding="utf-8"?>
+<p:sld xmlns:a="http://schemas.openxmlformats.org/drawingml/2006/main" xmlns:r="http://schemas.openxmlformats.org/officeDocument/2006/relationships" xmlns:p="http://schemas.openxmlformats.org/presentationml/2006/main">
+  <p:cSld>
+    <p:spTree>
+      <p:nvGrpSpPr>
+        <p:cNvPr id="1" name=""/>
+        <p:cNvGrpSpPr/>
+        <p:nvPr/>
+      </p:nvGrpSpPr>
+      <p:grpSpPr>
+        <a:xfrm>
+          <a:off x="0" y="0"/>
+          <a:ext cx="0" cy="0"/>
+          <a:chOff x="0" y="0"/>
+          <a:chExt cx="0" cy="0"/>
+        </a:xfrm>
+      </p:grpSpPr>
+      <p:sp>
+        <p:nvSpPr>
+          <p:cNvPr id="2" name="Titel 1">
+            <a:extLst>
+              <a:ext uri="{FF2B5EF4-FFF2-40B4-BE49-F238E27FC236}">
+                <a16:creationId xmlns:a16="http://schemas.microsoft.com/office/drawing/2014/main" id="{E28344B1-FB76-467B-8CEF-F9A2AFC65719}"/>
+              </a:ext>
+            </a:extLst>
+          </p:cNvPr>
+          <p:cNvSpPr>
+            <a:spLocks noGrp="1"/>
+          </p:cNvSpPr>
+          <p:nvPr>
+            <p:ph type="title"/>
+          </p:nvPr>
+        </p:nvSpPr>
+        <p:spPr/>
+        <p:txBody>
+          <a:bodyPr/>
+          <a:lstStyle/>
+          <a:p>
+            <a:r>
+              <a:rPr lang="da-DK" dirty="0"/>
+              <a:t>Live Demo</a:t>
+            </a:r>
+          </a:p>
+        </p:txBody>
+      </p:sp>
+      <p:pic>
+        <p:nvPicPr>
+          <p:cNvPr id="6" name="Pladsholder til indhold 5">
+            <a:extLst>
+              <a:ext uri="{FF2B5EF4-FFF2-40B4-BE49-F238E27FC236}">
+                <a16:creationId xmlns:a16="http://schemas.microsoft.com/office/drawing/2014/main" id="{6978D4C9-B472-44B1-9D3F-069ECFC3CD22}"/>
+              </a:ext>
+            </a:extLst>
+          </p:cNvPr>
+          <p:cNvPicPr>
+            <a:picLocks noGrp="1" noChangeAspect="1"/>
+          </p:cNvPicPr>
+          <p:nvPr>
+            <p:ph idx="1"/>
+          </p:nvPr>
+        </p:nvPicPr>
+        <p:blipFill>
+          <a:blip r:embed="rId2"/>
+          <a:stretch>
+            <a:fillRect/>
+          </a:stretch>
+        </p:blipFill>
+        <p:spPr>
+          <a:xfrm>
+            <a:off x="1320901" y="2024063"/>
+            <a:ext cx="4355898" cy="3332162"/>
+          </a:xfrm>
+        </p:spPr>
+      </p:pic>
+      <p:pic>
+        <p:nvPicPr>
+          <p:cNvPr id="10" name="Pladsholder til indhold 9">
+            <a:extLst>
+              <a:ext uri="{FF2B5EF4-FFF2-40B4-BE49-F238E27FC236}">
+                <a16:creationId xmlns:a16="http://schemas.microsoft.com/office/drawing/2014/main" id="{64A34D6B-2458-44E0-9E97-F0D8FDEFC8BA}"/>
+              </a:ext>
+            </a:extLst>
+          </p:cNvPr>
+          <p:cNvPicPr>
+            <a:picLocks noGrp="1" noChangeAspect="1"/>
+          </p:cNvPicPr>
+          <p:nvPr>
+            <p:ph idx="10"/>
+          </p:nvPr>
+        </p:nvPicPr>
+        <p:blipFill>
+          <a:blip r:embed="rId3"/>
+          <a:stretch>
+            <a:fillRect/>
+          </a:stretch>
+        </p:blipFill>
+        <p:spPr>
+          <a:xfrm>
+            <a:off x="6283325" y="2219649"/>
+            <a:ext cx="4664075" cy="2940990"/>
+          </a:xfrm>
+        </p:spPr>
+      </p:pic>
+    </p:spTree>
+    <p:extLst>
+      <p:ext uri="{BB962C8B-B14F-4D97-AF65-F5344CB8AC3E}">
+        <p14:creationId xmlns:p14="http://schemas.microsoft.com/office/powerpoint/2010/main" val="959746546"/>
+      </p:ext>
+    </p:extLst>
+  </p:cSld>
+  <p:clrMapOvr>
+    <a:masterClrMapping/>
+  </p:clrMapOvr>
+</p:sld>
+</file>
+
+<file path=ppt/slides/slide7.xml><?xml version="1.0" encoding="utf-8"?>
+<p:sld xmlns:a="http://schemas.openxmlformats.org/drawingml/2006/main" xmlns:r="http://schemas.openxmlformats.org/officeDocument/2006/relationships" xmlns:p="http://schemas.openxmlformats.org/presentationml/2006/main">
+  <p:cSld>
+    <p:spTree>
+      <p:nvGrpSpPr>
+        <p:cNvPr id="1" name=""/>
+        <p:cNvGrpSpPr/>
+        <p:nvPr/>
+      </p:nvGrpSpPr>
+      <p:grpSpPr>
+        <a:xfrm>
+          <a:off x="0" y="0"/>
+          <a:ext cx="0" cy="0"/>
+          <a:chOff x="0" y="0"/>
+          <a:chExt cx="0" cy="0"/>
+        </a:xfrm>
+      </p:grpSpPr>
+      <p:sp>
+        <p:nvSpPr>
+          <p:cNvPr id="2" name="Titel 1">
+            <a:extLst>
+              <a:ext uri="{FF2B5EF4-FFF2-40B4-BE49-F238E27FC236}">
+                <a16:creationId xmlns:a16="http://schemas.microsoft.com/office/drawing/2014/main" id="{B1B18B74-89AA-46BF-8768-4EE60516292F}"/>
+              </a:ext>
+            </a:extLst>
+          </p:cNvPr>
+          <p:cNvSpPr>
+            <a:spLocks noGrp="1"/>
+          </p:cNvSpPr>
+          <p:nvPr>
+            <p:ph type="title"/>
+          </p:nvPr>
+        </p:nvSpPr>
+        <p:spPr>
+          <a:xfrm>
+            <a:off x="1167492" y="136526"/>
+            <a:ext cx="9601200" cy="889841"/>
+          </a:xfrm>
+        </p:spPr>
+        <p:txBody>
+          <a:bodyPr/>
+          <a:lstStyle/>
+          <a:p>
+            <a:r>
+              <a:rPr lang="da-DK" dirty="0" err="1"/>
+              <a:t>Doxygen</a:t>
+            </a:r>
+            <a:endParaRPr lang="da-DK" dirty="0"/>
+          </a:p>
+        </p:txBody>
+      </p:sp>
+      <p:pic>
+        <p:nvPicPr>
+          <p:cNvPr id="6" name="Pladsholder til indhold 5">
+            <a:extLst>
+              <a:ext uri="{FF2B5EF4-FFF2-40B4-BE49-F238E27FC236}">
+                <a16:creationId xmlns:a16="http://schemas.microsoft.com/office/drawing/2014/main" id="{A698E6A9-51EE-48CF-9792-3FC9152E8AF9}"/>
+              </a:ext>
+            </a:extLst>
+          </p:cNvPr>
+          <p:cNvPicPr>
+            <a:picLocks noGrp="1" noChangeAspect="1"/>
+          </p:cNvPicPr>
+          <p:nvPr>
+            <p:ph idx="1"/>
+          </p:nvPr>
+        </p:nvPicPr>
+        <p:blipFill>
+          <a:blip r:embed="rId2"/>
+          <a:stretch>
+            <a:fillRect/>
+          </a:stretch>
+        </p:blipFill>
+        <p:spPr>
+          <a:xfrm>
+            <a:off x="1167492" y="1390181"/>
+            <a:ext cx="8276959" cy="3966044"/>
+          </a:xfrm>
+        </p:spPr>
+      </p:pic>
+    </p:spTree>
+    <p:extLst>
+      <p:ext uri="{BB962C8B-B14F-4D97-AF65-F5344CB8AC3E}">
+        <p14:creationId xmlns:p14="http://schemas.microsoft.com/office/powerpoint/2010/main" val="784602749"/>
+      </p:ext>
+    </p:extLst>
+  </p:cSld>
+  <p:clrMapOvr>
+    <a:masterClrMapping/>
+  </p:clrMapOvr>
+</p:sld>
+</file>
+
+<file path=ppt/slides/slide8.xml><?xml version="1.0" encoding="utf-8"?>
+<p:sld xmlns:a="http://schemas.openxmlformats.org/drawingml/2006/main" xmlns:r="http://schemas.openxmlformats.org/officeDocument/2006/relationships" xmlns:p="http://schemas.openxmlformats.org/presentationml/2006/main">
+  <p:cSld>
+    <p:spTree>
+      <p:nvGrpSpPr>
+        <p:cNvPr id="1" name=""/>
+        <p:cNvGrpSpPr/>
+        <p:nvPr/>
+      </p:nvGrpSpPr>
+      <p:grpSpPr>
+        <a:xfrm>
+          <a:off x="0" y="0"/>
+          <a:ext cx="0" cy="0"/>
+          <a:chOff x="0" y="0"/>
+          <a:chExt cx="0" cy="0"/>
+        </a:xfrm>
+      </p:grpSpPr>
+      <p:sp>
+        <p:nvSpPr>
+          <p:cNvPr id="2" name="Titel 1">
+            <a:extLst>
+              <a:ext uri="{FF2B5EF4-FFF2-40B4-BE49-F238E27FC236}">
+                <a16:creationId xmlns:a16="http://schemas.microsoft.com/office/drawing/2014/main" id="{31B5C143-7C7E-492E-B053-81C4CF288449}"/>
+              </a:ext>
+            </a:extLst>
+          </p:cNvPr>
+          <p:cNvSpPr>
+            <a:spLocks noGrp="1"/>
+          </p:cNvSpPr>
+          <p:nvPr>
+            <p:ph type="title"/>
+          </p:nvPr>
+        </p:nvSpPr>
+        <p:spPr/>
+        <p:txBody>
+          <a:bodyPr/>
+          <a:lstStyle/>
+          <a:p>
+            <a:r>
+              <a:rPr lang="da-DK" dirty="0"/>
+              <a:t>Hjælpemidler</a:t>
+            </a:r>
+          </a:p>
+        </p:txBody>
+      </p:sp>
+      <p:sp>
+        <p:nvSpPr>
+          <p:cNvPr id="3" name="Pladsholder til indhold 2">
+            <a:extLst>
+              <a:ext uri="{FF2B5EF4-FFF2-40B4-BE49-F238E27FC236}">
+                <a16:creationId xmlns:a16="http://schemas.microsoft.com/office/drawing/2014/main" id="{0EC91ED3-94C7-42BD-B0C0-FC48D33EEF69}"/>
+              </a:ext>
+            </a:extLst>
+          </p:cNvPr>
+          <p:cNvSpPr>
+            <a:spLocks noGrp="1"/>
+          </p:cNvSpPr>
+          <p:nvPr>
+            <p:ph idx="1"/>
+          </p:nvPr>
+        </p:nvSpPr>
+        <p:spPr/>
+        <p:txBody>
+          <a:bodyPr>
+            <a:normAutofit/>
+          </a:bodyPr>
+          <a:lstStyle/>
+          <a:p>
+            <a:r>
+              <a:rPr lang="da-DK" sz="2800" dirty="0"/>
+              <a:t>AI</a:t>
+            </a:r>
+          </a:p>
+          <a:p>
+            <a:pPr marL="342900" indent="-342900">
+              <a:buFont typeface="Arial" panose="020B0604020202020204" pitchFamily="34" charset="0"/>
+              <a:buChar char="•"/>
+            </a:pPr>
+            <a:r>
+              <a:rPr lang="da-DK" sz="2800" dirty="0"/>
+              <a:t>Chat-</a:t>
+            </a:r>
+            <a:r>
+              <a:rPr lang="da-DK" sz="2800" dirty="0" err="1"/>
+              <a:t>Gpt</a:t>
+            </a:r>
+            <a:endParaRPr lang="da-DK" sz="2800" dirty="0"/>
+          </a:p>
+          <a:p>
+            <a:pPr marL="342900" indent="-342900">
+              <a:buFont typeface="Arial" panose="020B0604020202020204" pitchFamily="34" charset="0"/>
+              <a:buChar char="•"/>
+            </a:pPr>
+            <a:r>
+              <a:rPr lang="da-DK" sz="2800" dirty="0" err="1"/>
+              <a:t>Gemini</a:t>
+            </a:r>
+            <a:endParaRPr lang="da-DK" sz="2800" dirty="0"/>
+          </a:p>
+          <a:p>
+            <a:endParaRPr lang="da-DK" sz="2800" dirty="0"/>
+          </a:p>
+          <a:p>
+            <a:r>
+              <a:rPr lang="da-DK" sz="2800" dirty="0" err="1"/>
+              <a:t>RandomNerds</a:t>
+            </a:r>
+            <a:r>
+              <a:rPr lang="da-DK" sz="2800" dirty="0"/>
+              <a:t> </a:t>
+            </a:r>
+            <a:r>
+              <a:rPr lang="da-DK" sz="2800" dirty="0" err="1"/>
+              <a:t>Tutorials</a:t>
+            </a:r>
+            <a:endParaRPr lang="da-DK" sz="2800" dirty="0"/>
+          </a:p>
+          <a:p>
+            <a:endParaRPr lang="da-DK" sz="2800" dirty="0"/>
+          </a:p>
+        </p:txBody>
+      </p:sp>
+      <p:sp>
+        <p:nvSpPr>
+          <p:cNvPr id="4" name="Pladsholder til indhold 3">
+            <a:extLst>
+              <a:ext uri="{FF2B5EF4-FFF2-40B4-BE49-F238E27FC236}">
+                <a16:creationId xmlns:a16="http://schemas.microsoft.com/office/drawing/2014/main" id="{2895584E-7862-440B-B081-3CF75F0FE2CD}"/>
+              </a:ext>
+            </a:extLst>
+          </p:cNvPr>
+          <p:cNvSpPr>
+            <a:spLocks noGrp="1"/>
+          </p:cNvSpPr>
+          <p:nvPr>
+            <p:ph idx="10"/>
+          </p:nvPr>
+        </p:nvSpPr>
+        <p:spPr/>
+        <p:txBody>
+          <a:bodyPr/>
+          <a:lstStyle/>
+          <a:p>
+            <a:endParaRPr lang="da-DK" dirty="0"/>
+          </a:p>
+        </p:txBody>
+      </p:sp>
+    </p:spTree>
+    <p:extLst>
+      <p:ext uri="{BB962C8B-B14F-4D97-AF65-F5344CB8AC3E}">
+        <p14:creationId xmlns:p14="http://schemas.microsoft.com/office/powerpoint/2010/main" val="3914101381"/>
+      </p:ext>
+    </p:extLst>
+  </p:cSld>
+  <p:clrMapOvr>
+    <a:masterClrMapping/>
+  </p:clrMapOvr>
+</p:sld>
+</file>
+
+<file path=ppt/slides/slide9.xml><?xml version="1.0" encoding="utf-8"?>
 <p:sld xmlns:a="http://schemas.openxmlformats.org/drawingml/2006/main" xmlns:r="http://schemas.openxmlformats.org/officeDocument/2006/relationships" xmlns:p="http://schemas.openxmlformats.org/presentationml/2006/main">
   <p:cSld>
     <p:spTree>
@@ -9894,15 +10309,7 @@
           <a:p>
             <a:r>
               <a:rPr lang="en-US" dirty="0" err="1"/>
-              <a:t>Konklusion</a:t>
-            </a:r>
-            <a:r>
-              <a:rPr lang="en-US" dirty="0"/>
-              <a:t> &amp; </a:t>
-            </a:r>
-            <a:r>
-              <a:rPr lang="en-US" dirty="0" err="1"/>
-              <a:t>Fremtidsudsigter</a:t>
+              <a:t>Reflektion</a:t>
             </a:r>
             <a:endParaRPr lang="en-US" dirty="0"/>
           </a:p>
@@ -9957,10 +10364,111 @@
           <a:lstStyle/>
           <a:p>
             <a:pPr lvl="1"/>
-            <a:endParaRPr lang="en-US" dirty="0"/>
-          </a:p>
-          <a:p>
-            <a:endParaRPr lang="en-US" dirty="0"/>
+            <a:r>
+              <a:rPr lang="en-US" sz="2800" dirty="0" err="1"/>
+              <a:t>Hvorfor</a:t>
+            </a:r>
+            <a:r>
+              <a:rPr lang="en-US" sz="2800" dirty="0"/>
+              <a:t> har </a:t>
+            </a:r>
+            <a:r>
+              <a:rPr lang="en-US" sz="2800" dirty="0" err="1"/>
+              <a:t>jeg</a:t>
+            </a:r>
+            <a:r>
+              <a:rPr lang="en-US" sz="2800" dirty="0"/>
+              <a:t> </a:t>
+            </a:r>
+            <a:r>
+              <a:rPr lang="en-US" sz="2800" dirty="0" err="1"/>
+              <a:t>valgt</a:t>
+            </a:r>
+            <a:r>
+              <a:rPr lang="en-US" sz="2800" dirty="0"/>
+              <a:t> </a:t>
+            </a:r>
+            <a:r>
+              <a:rPr lang="en-US" sz="2800" dirty="0" err="1"/>
+              <a:t>dette</a:t>
+            </a:r>
+            <a:r>
+              <a:rPr lang="en-US" sz="2800" dirty="0"/>
+              <a:t> project?</a:t>
+            </a:r>
+          </a:p>
+          <a:p>
+            <a:pPr lvl="1"/>
+            <a:r>
+              <a:rPr lang="en-US" sz="2800" dirty="0" err="1"/>
+              <a:t>Hvad</a:t>
+            </a:r>
+            <a:r>
+              <a:rPr lang="en-US" sz="2800" dirty="0"/>
+              <a:t> har </a:t>
+            </a:r>
+            <a:r>
+              <a:rPr lang="en-US" sz="2800" dirty="0" err="1"/>
+              <a:t>jeg</a:t>
+            </a:r>
+            <a:r>
+              <a:rPr lang="en-US" sz="2800" dirty="0"/>
+              <a:t> </a:t>
+            </a:r>
+            <a:r>
+              <a:rPr lang="en-US" sz="2800" dirty="0" err="1"/>
+              <a:t>lært</a:t>
+            </a:r>
+            <a:r>
+              <a:rPr lang="en-US" sz="2800" dirty="0"/>
+              <a:t>?</a:t>
+            </a:r>
+          </a:p>
+          <a:p>
+            <a:pPr lvl="1"/>
+            <a:r>
+              <a:rPr lang="en-US" sz="2800" dirty="0" err="1"/>
+              <a:t>Hvad</a:t>
+            </a:r>
+            <a:r>
+              <a:rPr lang="en-US" sz="2800" dirty="0"/>
+              <a:t> </a:t>
+            </a:r>
+            <a:r>
+              <a:rPr lang="en-US" sz="2800" dirty="0" err="1"/>
+              <a:t>kan</a:t>
+            </a:r>
+            <a:r>
+              <a:rPr lang="en-US" sz="2800" dirty="0"/>
+              <a:t> </a:t>
+            </a:r>
+            <a:r>
+              <a:rPr lang="en-US" sz="2800" dirty="0" err="1"/>
+              <a:t>jeg</a:t>
+            </a:r>
+            <a:r>
+              <a:rPr lang="en-US" sz="2800" dirty="0"/>
+              <a:t> </a:t>
+            </a:r>
+            <a:r>
+              <a:rPr lang="en-US" sz="2800" dirty="0" err="1"/>
+              <a:t>bruge</a:t>
+            </a:r>
+            <a:r>
+              <a:rPr lang="en-US" sz="2800" dirty="0"/>
+              <a:t> det </a:t>
+            </a:r>
+            <a:r>
+              <a:rPr lang="en-US" sz="2800" dirty="0" err="1"/>
+              <a:t>til</a:t>
+            </a:r>
+            <a:r>
+              <a:rPr lang="en-US" sz="2800" dirty="0"/>
+              <a:t>?</a:t>
+            </a:r>
+          </a:p>
+          <a:p>
+            <a:endParaRPr lang="en-US" sz="2800" dirty="0"/>
           </a:p>
         </p:txBody>
       </p:sp>
@@ -10778,6 +11286,26 @@
 </file>
 
 <file path=customXml/item2.xml><?xml version="1.0" encoding="utf-8"?>
+<p:properties xmlns:p="http://schemas.microsoft.com/office/2006/metadata/properties" xmlns:xsi="http://www.w3.org/2001/XMLSchema-instance" xmlns:pc="http://schemas.microsoft.com/office/infopath/2007/PartnerControls">
+  <documentManagement>
+    <_ip_UnifiedCompliancePolicyUIAction xmlns="http://schemas.microsoft.com/sharepoint/v3" xsi:nil="true"/>
+    <Image xmlns="71af3243-3dd4-4a8d-8c0d-dd76da1f02a5">
+      <Url xsi:nil="true"/>
+      <Description xsi:nil="true"/>
+    </Image>
+    <Status xmlns="71af3243-3dd4-4a8d-8c0d-dd76da1f02a5">Not started</Status>
+    <Background xmlns="71af3243-3dd4-4a8d-8c0d-dd76da1f02a5">false</Background>
+    <_ip_UnifiedCompliancePolicyProperties xmlns="http://schemas.microsoft.com/sharepoint/v3" xsi:nil="true"/>
+    <ImageTagsTaxHTField xmlns="71af3243-3dd4-4a8d-8c0d-dd76da1f02a5">
+      <Terms xmlns="http://schemas.microsoft.com/office/infopath/2007/PartnerControls"/>
+    </ImageTagsTaxHTField>
+    <TaxCatchAll xmlns="230e9df3-be65-4c73-a93b-d1236ebd677e" xsi:nil="true"/>
+    <MediaServiceKeyPoints xmlns="71af3243-3dd4-4a8d-8c0d-dd76da1f02a5" xsi:nil="true"/>
+  </documentManagement>
+</p:properties>
+</file>
+
+<file path=customXml/item3.xml><?xml version="1.0" encoding="utf-8"?>
 <ct:contentTypeSchema xmlns:ct="http://schemas.microsoft.com/office/2006/metadata/contentType" xmlns:ma="http://schemas.microsoft.com/office/2006/metadata/properties/metaAttributes" ct:_="" ma:_="" ma:contentTypeName="Document" ma:contentTypeID="0x01010079F111ED35F8CC479449609E8A0923A6" ma:contentTypeVersion="28" ma:contentTypeDescription="Create a new document." ma:contentTypeScope="" ma:versionID="60f5a4f2d2b0abadcf532d48ebf9cb71">
   <xsd:schema xmlns:xsd="http://www.w3.org/2001/XMLSchema" xmlns:xs="http://www.w3.org/2001/XMLSchema" xmlns:p="http://schemas.microsoft.com/office/2006/metadata/properties" xmlns:ns1="http://schemas.microsoft.com/sharepoint/v3" xmlns:ns2="71af3243-3dd4-4a8d-8c0d-dd76da1f02a5" xmlns:ns3="16c05727-aa75-4e4a-9b5f-8a80a1165891" xmlns:ns4="230e9df3-be65-4c73-a93b-d1236ebd677e" targetNamespace="http://schemas.microsoft.com/office/2006/metadata/properties" ma:root="true" ma:fieldsID="7dd78129e6a1811f84807ad11c651531" ns1:_="" ns2:_="" ns3:_="" ns4:_="">
     <xsd:import namespace="http://schemas.microsoft.com/sharepoint/v3"/>
@@ -11089,26 +11617,6 @@
 </ct:contentTypeSchema>
 </file>
 
-<file path=customXml/item3.xml><?xml version="1.0" encoding="utf-8"?>
-<p:properties xmlns:p="http://schemas.microsoft.com/office/2006/metadata/properties" xmlns:xsi="http://www.w3.org/2001/XMLSchema-instance" xmlns:pc="http://schemas.microsoft.com/office/infopath/2007/PartnerControls">
-  <documentManagement>
-    <_ip_UnifiedCompliancePolicyUIAction xmlns="http://schemas.microsoft.com/sharepoint/v3" xsi:nil="true"/>
-    <Image xmlns="71af3243-3dd4-4a8d-8c0d-dd76da1f02a5">
-      <Url xsi:nil="true"/>
-      <Description xsi:nil="true"/>
-    </Image>
-    <Status xmlns="71af3243-3dd4-4a8d-8c0d-dd76da1f02a5">Not started</Status>
-    <Background xmlns="71af3243-3dd4-4a8d-8c0d-dd76da1f02a5">false</Background>
-    <_ip_UnifiedCompliancePolicyProperties xmlns="http://schemas.microsoft.com/sharepoint/v3" xsi:nil="true"/>
-    <ImageTagsTaxHTField xmlns="71af3243-3dd4-4a8d-8c0d-dd76da1f02a5">
-      <Terms xmlns="http://schemas.microsoft.com/office/infopath/2007/PartnerControls"/>
-    </ImageTagsTaxHTField>
-    <TaxCatchAll xmlns="230e9df3-be65-4c73-a93b-d1236ebd677e" xsi:nil="true"/>
-    <MediaServiceKeyPoints xmlns="71af3243-3dd4-4a8d-8c0d-dd76da1f02a5" xsi:nil="true"/>
-  </documentManagement>
-</p:properties>
-</file>
-
 <file path=customXml/itemProps1.xml><?xml version="1.0" encoding="utf-8"?>
 <ds:datastoreItem xmlns:ds="http://schemas.openxmlformats.org/officeDocument/2006/customXml" ds:itemID="{45A8381C-73EB-48EA-B45F-7B7C8C7DF409}">
   <ds:schemaRefs>
@@ -11118,6 +11626,18 @@
 </file>
 
 <file path=customXml/itemProps2.xml><?xml version="1.0" encoding="utf-8"?>
+<ds:datastoreItem xmlns:ds="http://schemas.openxmlformats.org/officeDocument/2006/customXml" ds:itemID="{61E98C35-9ECE-4425-BCBA-00E118C705CE}">
+  <ds:schemaRefs>
+    <ds:schemaRef ds:uri="http://schemas.microsoft.com/office/2006/metadata/properties"/>
+    <ds:schemaRef ds:uri="http://schemas.microsoft.com/office/infopath/2007/PartnerControls"/>
+    <ds:schemaRef ds:uri="http://schemas.microsoft.com/sharepoint/v3"/>
+    <ds:schemaRef ds:uri="71af3243-3dd4-4a8d-8c0d-dd76da1f02a5"/>
+    <ds:schemaRef ds:uri="230e9df3-be65-4c73-a93b-d1236ebd677e"/>
+  </ds:schemaRefs>
+</ds:datastoreItem>
+</file>
+
+<file path=customXml/itemProps3.xml><?xml version="1.0" encoding="utf-8"?>
 <ds:datastoreItem xmlns:ds="http://schemas.openxmlformats.org/officeDocument/2006/customXml" ds:itemID="{5AA6A711-2C3F-4EC0-B88B-62D740851176}">
   <ds:schemaRefs>
     <ds:schemaRef ds:uri="http://schemas.microsoft.com/office/2006/metadata/contentType"/>
@@ -11138,18 +11658,6 @@
 </ds:datastoreItem>
 </file>
 
-<file path=customXml/itemProps3.xml><?xml version="1.0" encoding="utf-8"?>
-<ds:datastoreItem xmlns:ds="http://schemas.openxmlformats.org/officeDocument/2006/customXml" ds:itemID="{61E98C35-9ECE-4425-BCBA-00E118C705CE}">
-  <ds:schemaRefs>
-    <ds:schemaRef ds:uri="http://schemas.microsoft.com/office/2006/metadata/properties"/>
-    <ds:schemaRef ds:uri="http://schemas.microsoft.com/office/infopath/2007/PartnerControls"/>
-    <ds:schemaRef ds:uri="http://schemas.microsoft.com/sharepoint/v3"/>
-    <ds:schemaRef ds:uri="71af3243-3dd4-4a8d-8c0d-dd76da1f02a5"/>
-    <ds:schemaRef ds:uri="230e9df3-be65-4c73-a93b-d1236ebd677e"/>
-  </ds:schemaRefs>
-</ds:datastoreItem>
-</file>
-
 <file path=docMetadata/LabelInfo.xml><?xml version="1.0" encoding="utf-8"?>
 <clbl:labelList xmlns:clbl="http://schemas.microsoft.com/office/2020/mipLabelMetadata"/>
 </file>